--- a/linsley_postdoc/presentations/weekly_meetings/11_21_23.pptx
+++ b/linsley_postdoc/presentations/weekly_meetings/11_21_23.pptx
@@ -223,7 +223,7 @@
           <a:p>
             <a:fld id="{E933A773-0DCE-3544-BB67-D5FA58DF903C}" type="datetimeFigureOut">
               <a:rPr lang="en-US" smtClean="0"/>
-              <a:t>11/21/23</a:t>
+              <a:t>12/1/23</a:t>
             </a:fld>
             <a:endParaRPr lang="en-US"/>
           </a:p>
@@ -1601,6 +1601,23 @@
           <a:bodyPr/>
           <a:lstStyle/>
           <a:p>
+            <a:pPr marL="0" marR="0" lvl="0" indent="0" algn="l" defTabSz="914400" rtl="0" eaLnBrk="1" fontAlgn="auto" latinLnBrk="0" hangingPunct="1">
+              <a:lnSpc>
+                <a:spcPct val="100000"/>
+              </a:lnSpc>
+              <a:spcBef>
+                <a:spcPts val="0"/>
+              </a:spcBef>
+              <a:spcAft>
+                <a:spcPts val="0"/>
+              </a:spcAft>
+              <a:buClrTx/>
+              <a:buSzTx/>
+              <a:buFontTx/>
+              <a:buNone/>
+              <a:tabLst/>
+              <a:defRPr/>
+            </a:pPr>
             <a:endParaRPr lang="en-US" dirty="0"/>
           </a:p>
         </p:txBody>
@@ -1772,6 +1789,23 @@
           <a:bodyPr/>
           <a:lstStyle/>
           <a:p>
+            <a:pPr marL="0" marR="0" lvl="0" indent="0" algn="l" defTabSz="914400" rtl="0" eaLnBrk="1" fontAlgn="auto" latinLnBrk="0" hangingPunct="1">
+              <a:lnSpc>
+                <a:spcPct val="100000"/>
+              </a:lnSpc>
+              <a:spcBef>
+                <a:spcPts val="0"/>
+              </a:spcBef>
+              <a:spcAft>
+                <a:spcPts val="0"/>
+              </a:spcAft>
+              <a:buClrTx/>
+              <a:buSzTx/>
+              <a:buFontTx/>
+              <a:buNone/>
+              <a:tabLst/>
+              <a:defRPr/>
+            </a:pPr>
             <a:endParaRPr lang="en-US" dirty="0"/>
           </a:p>
         </p:txBody>
@@ -2248,8 +2282,13 @@
             </a:r>
             <a:r>
               <a:rPr lang="en-US" dirty="0"/>
-              <a:t> which means more germline-like</a:t>
-            </a:r>
+              <a:t> which means </a:t>
+            </a:r>
+            <a:r>
+              <a:rPr lang="en-US"/>
+              <a:t>more germline-like</a:t>
+            </a:r>
+            <a:endParaRPr lang="en-US" dirty="0"/>
           </a:p>
         </p:txBody>
       </p:sp>
@@ -2436,7 +2475,7 @@
           <a:p>
             <a:fld id="{80FC6068-BAFB-FC44-B9D8-F4B3BB105DE6}" type="datetimeFigureOut">
               <a:rPr lang="en-US" smtClean="0"/>
-              <a:t>11/21/23</a:t>
+              <a:t>12/1/23</a:t>
             </a:fld>
             <a:endParaRPr lang="en-US"/>
           </a:p>
@@ -2634,7 +2673,7 @@
           <a:p>
             <a:fld id="{80FC6068-BAFB-FC44-B9D8-F4B3BB105DE6}" type="datetimeFigureOut">
               <a:rPr lang="en-US" smtClean="0"/>
-              <a:t>11/21/23</a:t>
+              <a:t>12/1/23</a:t>
             </a:fld>
             <a:endParaRPr lang="en-US"/>
           </a:p>
@@ -2842,7 +2881,7 @@
           <a:p>
             <a:fld id="{80FC6068-BAFB-FC44-B9D8-F4B3BB105DE6}" type="datetimeFigureOut">
               <a:rPr lang="en-US" smtClean="0"/>
-              <a:t>11/21/23</a:t>
+              <a:t>12/1/23</a:t>
             </a:fld>
             <a:endParaRPr lang="en-US"/>
           </a:p>
@@ -3046,7 +3085,7 @@
           <a:p>
             <a:fld id="{80FC6068-BAFB-FC44-B9D8-F4B3BB105DE6}" type="datetimeFigureOut">
               <a:rPr lang="en-US" smtClean="0"/>
-              <a:t>11/21/23</a:t>
+              <a:t>12/1/23</a:t>
             </a:fld>
             <a:endParaRPr lang="en-US"/>
           </a:p>
@@ -3337,7 +3376,7 @@
           <a:p>
             <a:fld id="{80FC6068-BAFB-FC44-B9D8-F4B3BB105DE6}" type="datetimeFigureOut">
               <a:rPr lang="en-US" smtClean="0"/>
-              <a:t>11/21/23</a:t>
+              <a:t>12/1/23</a:t>
             </a:fld>
             <a:endParaRPr lang="en-US"/>
           </a:p>
@@ -3602,7 +3641,7 @@
           <a:p>
             <a:fld id="{80FC6068-BAFB-FC44-B9D8-F4B3BB105DE6}" type="datetimeFigureOut">
               <a:rPr lang="en-US" smtClean="0"/>
-              <a:t>11/21/23</a:t>
+              <a:t>12/1/23</a:t>
             </a:fld>
             <a:endParaRPr lang="en-US"/>
           </a:p>
@@ -4014,7 +4053,7 @@
           <a:p>
             <a:fld id="{80FC6068-BAFB-FC44-B9D8-F4B3BB105DE6}" type="datetimeFigureOut">
               <a:rPr lang="en-US" smtClean="0"/>
-              <a:t>11/21/23</a:t>
+              <a:t>12/1/23</a:t>
             </a:fld>
             <a:endParaRPr lang="en-US"/>
           </a:p>
@@ -4155,7 +4194,7 @@
           <a:p>
             <a:fld id="{80FC6068-BAFB-FC44-B9D8-F4B3BB105DE6}" type="datetimeFigureOut">
               <a:rPr lang="en-US" smtClean="0"/>
-              <a:t>11/21/23</a:t>
+              <a:t>12/1/23</a:t>
             </a:fld>
             <a:endParaRPr lang="en-US"/>
           </a:p>
@@ -4268,7 +4307,7 @@
           <a:p>
             <a:fld id="{80FC6068-BAFB-FC44-B9D8-F4B3BB105DE6}" type="datetimeFigureOut">
               <a:rPr lang="en-US" smtClean="0"/>
-              <a:t>11/21/23</a:t>
+              <a:t>12/1/23</a:t>
             </a:fld>
             <a:endParaRPr lang="en-US"/>
           </a:p>
@@ -4579,7 +4618,7 @@
           <a:p>
             <a:fld id="{80FC6068-BAFB-FC44-B9D8-F4B3BB105DE6}" type="datetimeFigureOut">
               <a:rPr lang="en-US" smtClean="0"/>
-              <a:t>11/21/23</a:t>
+              <a:t>12/1/23</a:t>
             </a:fld>
             <a:endParaRPr lang="en-US"/>
           </a:p>
@@ -4867,7 +4906,7 @@
           <a:p>
             <a:fld id="{80FC6068-BAFB-FC44-B9D8-F4B3BB105DE6}" type="datetimeFigureOut">
               <a:rPr lang="en-US" smtClean="0"/>
-              <a:t>11/21/23</a:t>
+              <a:t>12/1/23</a:t>
             </a:fld>
             <a:endParaRPr lang="en-US"/>
           </a:p>
@@ -5108,7 +5147,7 @@
           <a:p>
             <a:fld id="{80FC6068-BAFB-FC44-B9D8-F4B3BB105DE6}" type="datetimeFigureOut">
               <a:rPr lang="en-US" smtClean="0"/>
-              <a:t>11/21/23</a:t>
+              <a:t>12/1/23</a:t>
             </a:fld>
             <a:endParaRPr lang="en-US"/>
           </a:p>
